--- a/데이터 흐름도.pptx
+++ b/데이터 흐름도.pptx
@@ -4332,7 +4332,7 @@
                 <a:rPr lang="en-US" altLang="ko-KR"/>
                 <a:t>&gt;</a:t>
               </a:r>
-              <a:endParaRPr lang="ko-KR" altLang="en-US"/>
+              <a:endParaRPr lang="en-US" altLang="ko-KR"/>
             </a:p>
             <a:p>
               <a:pPr lvl="0" algn="ctr">
@@ -4549,7 +4549,7 @@
           </p:nvSpPr>
           <p:spPr>
             <a:xfrm>
-              <a:off x="5066777" y="816919"/>
+              <a:off x="5066777" y="635944"/>
               <a:ext cx="1756121" cy="922972"/>
             </a:xfrm>
             <a:prstGeom prst="roundRect">
@@ -4590,22 +4590,42 @@
                 <a:defRPr/>
               </a:pPr>
               <a:r>
-                <a:rPr lang="ko-KR" altLang="en-US"/>
-                <a:t>경제성</a:t>
+                <a:rPr lang="ko-KR" altLang="en-US" b="1"/>
+                <a:t>적합성</a:t>
+              </a:r>
+              <a:endParaRPr lang="ko-KR" altLang="en-US" b="1"/>
+            </a:p>
+            <a:p>
+              <a:pPr lvl="0" algn="ctr">
+                <a:defRPr/>
+              </a:pPr>
+              <a:r>
+                <a:rPr lang="en-US" altLang="ko-KR" sz="1300"/>
+                <a:t>(1</a:t>
               </a:r>
               <a:r>
-                <a:rPr lang="en-US" altLang="ko-KR"/>
-                <a:t>(30</a:t>
+                <a:rPr lang="ko-KR" altLang="en-US" sz="1300"/>
+                <a:t>인 가구 수 </a:t>
               </a:r>
               <a:r>
-                <a:rPr lang="ko-KR" altLang="en-US"/>
-                <a:t>점</a:t>
+                <a:rPr lang="en-US" altLang="ko-KR" sz="1300"/>
+                <a:t>+</a:t>
+              </a:r>
+              <a:endParaRPr lang="en-US" altLang="ko-KR" sz="1300"/>
+            </a:p>
+            <a:p>
+              <a:pPr lvl="0" algn="ctr">
+                <a:defRPr/>
+              </a:pPr>
+              <a:r>
+                <a:rPr lang="ko-KR" altLang="en-US" sz="1300"/>
+                <a:t>원룸 및 오피스텔 수</a:t>
               </a:r>
               <a:r>
-                <a:rPr lang="en-US" altLang="ko-KR"/>
+                <a:rPr lang="en-US" altLang="ko-KR" sz="1300"/>
                 <a:t>)</a:t>
               </a:r>
-              <a:endParaRPr lang="en-US" altLang="ko-KR"/>
+              <a:endParaRPr lang="en-US" altLang="ko-KR" sz="1300"/>
             </a:p>
           </p:txBody>
         </p:sp>
@@ -4617,7 +4637,7 @@
           </p:nvSpPr>
           <p:spPr>
             <a:xfrm>
-              <a:off x="5066777" y="1892216"/>
+              <a:off x="5066777" y="1598605"/>
               <a:ext cx="1756121" cy="922972"/>
             </a:xfrm>
             <a:prstGeom prst="roundRect">
@@ -4658,22 +4678,28 @@
                 <a:defRPr/>
               </a:pPr>
               <a:r>
-                <a:rPr lang="ko-KR" altLang="en-US"/>
-                <a:t>경제성</a:t>
+                <a:rPr lang="ko-KR" altLang="en-US" b="1"/>
+                <a:t>주거비용</a:t>
+              </a:r>
+              <a:endParaRPr lang="ko-KR" altLang="en-US"/>
+            </a:p>
+            <a:p>
+              <a:pPr lvl="0" algn="ctr">
+                <a:defRPr/>
+              </a:pPr>
+              <a:r>
+                <a:rPr lang="en-US" altLang="ko-KR" sz="1300"/>
+                <a:t>(</a:t>
               </a:r>
               <a:r>
-                <a:rPr lang="en-US" altLang="ko-KR"/>
-                <a:t>(30</a:t>
+                <a:rPr lang="ko-KR" altLang="en-US" sz="1300"/>
+                <a:t>평당 월세 평균</a:t>
               </a:r>
               <a:r>
-                <a:rPr lang="ko-KR" altLang="en-US"/>
-                <a:t>점</a:t>
-              </a:r>
-              <a:r>
-                <a:rPr lang="en-US" altLang="ko-KR"/>
+                <a:rPr lang="en-US" altLang="ko-KR" sz="1300"/>
                 <a:t>)</a:t>
               </a:r>
-              <a:endParaRPr lang="en-US" altLang="ko-KR"/>
+              <a:endParaRPr lang="en-US" altLang="ko-KR" sz="1300"/>
             </a:p>
           </p:txBody>
         </p:sp>
@@ -4685,7 +4711,7 @@
           </p:nvSpPr>
           <p:spPr>
             <a:xfrm>
-              <a:off x="5066777" y="2967513"/>
+              <a:off x="5066777" y="2561267"/>
               <a:ext cx="1756121" cy="922972"/>
             </a:xfrm>
             <a:prstGeom prst="roundRect">
@@ -4726,22 +4752,36 @@
                 <a:defRPr/>
               </a:pPr>
               <a:r>
-                <a:rPr lang="ko-KR" altLang="en-US"/>
-                <a:t>경제성</a:t>
+                <a:rPr lang="ko-KR" altLang="en-US" b="1"/>
+                <a:t>의료시설</a:t>
+              </a:r>
+              <a:endParaRPr lang="ko-KR" altLang="en-US"/>
+            </a:p>
+            <a:p>
+              <a:pPr lvl="0" algn="ctr">
+                <a:defRPr/>
+              </a:pPr>
+              <a:r>
+                <a:rPr lang="en-US" altLang="ko-KR" sz="1300"/>
+                <a:t>(</a:t>
               </a:r>
               <a:r>
-                <a:rPr lang="en-US" altLang="ko-KR"/>
-                <a:t>(30</a:t>
+                <a:rPr lang="ko-KR" altLang="en-US" sz="1300"/>
+                <a:t>병원 수 </a:t>
               </a:r>
               <a:r>
-                <a:rPr lang="ko-KR" altLang="en-US"/>
-                <a:t>점</a:t>
+                <a:rPr lang="en-US" altLang="ko-KR" sz="1300"/>
+                <a:t>+</a:t>
               </a:r>
               <a:r>
-                <a:rPr lang="en-US" altLang="ko-KR"/>
+                <a:rPr lang="ko-KR" altLang="en-US" sz="1300"/>
+                <a:t> 약국 수</a:t>
+              </a:r>
+              <a:r>
+                <a:rPr lang="en-US" altLang="ko-KR" sz="1300"/>
                 <a:t>)</a:t>
               </a:r>
-              <a:endParaRPr lang="en-US" altLang="ko-KR"/>
+              <a:endParaRPr lang="en-US" altLang="ko-KR" sz="1300"/>
             </a:p>
           </p:txBody>
         </p:sp>
@@ -4753,7 +4793,7 @@
           </p:nvSpPr>
           <p:spPr>
             <a:xfrm>
-              <a:off x="5066777" y="4042811"/>
+              <a:off x="5066777" y="3523929"/>
               <a:ext cx="1756121" cy="922972"/>
             </a:xfrm>
             <a:prstGeom prst="roundRect">
@@ -4794,22 +4834,28 @@
                 <a:defRPr/>
               </a:pPr>
               <a:r>
-                <a:rPr lang="ko-KR" altLang="en-US"/>
-                <a:t>경제성</a:t>
+                <a:rPr lang="ko-KR" altLang="en-US" b="1"/>
+                <a:t>치안</a:t>
+              </a:r>
+              <a:endParaRPr lang="ko-KR" altLang="en-US"/>
+            </a:p>
+            <a:p>
+              <a:pPr lvl="0" algn="ctr">
+                <a:defRPr/>
+              </a:pPr>
+              <a:r>
+                <a:rPr lang="en-US" altLang="ko-KR" sz="1300"/>
+                <a:t>(</a:t>
               </a:r>
               <a:r>
-                <a:rPr lang="en-US" altLang="ko-KR"/>
-                <a:t>(30</a:t>
+                <a:rPr lang="ko-KR" altLang="en-US" sz="1300"/>
+                <a:t>검거율</a:t>
               </a:r>
               <a:r>
-                <a:rPr lang="ko-KR" altLang="en-US"/>
-                <a:t>점</a:t>
-              </a:r>
-              <a:r>
-                <a:rPr lang="en-US" altLang="ko-KR"/>
+                <a:rPr lang="en-US" altLang="ko-KR" sz="1300"/>
                 <a:t>)</a:t>
               </a:r>
-              <a:endParaRPr lang="en-US" altLang="ko-KR"/>
+              <a:endParaRPr lang="en-US" altLang="ko-KR" sz="1300"/>
             </a:p>
           </p:txBody>
         </p:sp>
@@ -4821,7 +4867,7 @@
           </p:nvSpPr>
           <p:spPr>
             <a:xfrm>
-              <a:off x="5066777" y="5118108"/>
+              <a:off x="5066777" y="4486591"/>
               <a:ext cx="1756121" cy="922972"/>
             </a:xfrm>
             <a:prstGeom prst="roundRect">
@@ -4862,22 +4908,28 @@
                 <a:defRPr/>
               </a:pPr>
               <a:r>
-                <a:rPr lang="ko-KR" altLang="en-US"/>
-                <a:t>경제성</a:t>
+                <a:rPr lang="ko-KR" altLang="en-US" b="1"/>
+                <a:t>인프라</a:t>
+              </a:r>
+              <a:endParaRPr lang="ko-KR" altLang="en-US"/>
+            </a:p>
+            <a:p>
+              <a:pPr lvl="0" algn="ctr">
+                <a:defRPr/>
+              </a:pPr>
+              <a:r>
+                <a:rPr lang="en-US" altLang="ko-KR" sz="1300"/>
+                <a:t>(</a:t>
               </a:r>
               <a:r>
-                <a:rPr lang="en-US" altLang="ko-KR"/>
-                <a:t>(30</a:t>
+                <a:rPr lang="ko-KR" altLang="en-US" sz="1300"/>
+                <a:t>대규모 점포 수</a:t>
               </a:r>
               <a:r>
-                <a:rPr lang="ko-KR" altLang="en-US"/>
-                <a:t>점</a:t>
-              </a:r>
-              <a:r>
-                <a:rPr lang="en-US" altLang="ko-KR"/>
+                <a:rPr lang="en-US" altLang="ko-KR" sz="1300"/>
                 <a:t>)</a:t>
               </a:r>
-              <a:endParaRPr lang="en-US" altLang="ko-KR"/>
+              <a:endParaRPr lang="en-US" altLang="ko-KR" sz="1300"/>
             </a:p>
           </p:txBody>
         </p:sp>
@@ -5503,6 +5555,80 @@
           </p:sp>
         </p:grpSp>
       </p:grpSp>
+      <p:sp>
+        <p:nvSpPr>
+          <p:cNvPr id="48" name="모서리가 둥근 직사각형 47"/>
+          <p:cNvSpPr/>
+          <p:nvPr/>
+        </p:nvSpPr>
+        <p:spPr>
+          <a:xfrm>
+            <a:off x="5217939" y="5449253"/>
+            <a:ext cx="1756121" cy="922972"/>
+          </a:xfrm>
+          <a:prstGeom prst="roundRect">
+            <a:avLst>
+              <a:gd name="adj" fmla="val 16667"/>
+            </a:avLst>
+          </a:prstGeom>
+          <a:solidFill>
+            <a:srgbClr val="4f7429"/>
+          </a:solidFill>
+          <a:ln>
+            <a:solidFill>
+              <a:srgbClr val="354e1b"/>
+            </a:solidFill>
+          </a:ln>
+        </p:spPr>
+        <p:style>
+          <a:lnRef idx="2">
+            <a:schemeClr val="accent1">
+              <a:shade val="20000"/>
+            </a:schemeClr>
+          </a:lnRef>
+          <a:fillRef idx="1">
+            <a:schemeClr val="accent1"/>
+          </a:fillRef>
+          <a:effectRef idx="0">
+            <a:schemeClr val="accent1"/>
+          </a:effectRef>
+          <a:fontRef idx="minor">
+            <a:schemeClr val="lt1"/>
+          </a:fontRef>
+        </p:style>
+        <p:txBody>
+          <a:bodyPr anchor="ctr"/>
+          <a:lstStyle/>
+          <a:p>
+            <a:pPr lvl="0" algn="ctr">
+              <a:defRPr/>
+            </a:pPr>
+            <a:r>
+              <a:rPr lang="ko-KR" altLang="en-US" b="1"/>
+              <a:t>교통</a:t>
+            </a:r>
+            <a:endParaRPr lang="ko-KR" altLang="en-US"/>
+          </a:p>
+          <a:p>
+            <a:pPr lvl="0" algn="ctr">
+              <a:defRPr/>
+            </a:pPr>
+            <a:r>
+              <a:rPr lang="en-US" altLang="ko-KR" sz="1300"/>
+              <a:t>(</a:t>
+            </a:r>
+            <a:r>
+              <a:rPr lang="ko-KR" altLang="en-US" sz="1300"/>
+              <a:t>지하철 수</a:t>
+            </a:r>
+            <a:r>
+              <a:rPr lang="en-US" altLang="ko-KR" sz="1300"/>
+              <a:t>)</a:t>
+            </a:r>
+            <a:endParaRPr lang="en-US" altLang="ko-KR" sz="1300"/>
+          </a:p>
+        </p:txBody>
+      </p:sp>
     </p:spTree>
     <p:extLst>
       <p:ext uri="{BB962C8B-B14F-4D97-AF65-F5344CB8AC3E}">

--- a/데이터 흐름도.pptx
+++ b/데이터 흐름도.pptx
@@ -4396,9 +4396,9 @@
           <p:nvPr/>
         </p:nvCxnSpPr>
         <p:spPr>
-          <a:xfrm>
-            <a:off x="4696056" y="3429000"/>
-            <a:ext cx="346703" cy="1588"/>
+          <a:xfrm flipV="1">
+            <a:off x="4696056" y="3419474"/>
+            <a:ext cx="346703" cy="9525"/>
           </a:xfrm>
           <a:prstGeom prst="bentConnector3">
             <a:avLst>
@@ -4438,9 +4438,9 @@
         <p:grpSpPr>
           <a:xfrm rot="0">
             <a:off x="5042759" y="231897"/>
-            <a:ext cx="2057033" cy="6232280"/>
+            <a:ext cx="2057033" cy="6222755"/>
             <a:chOff x="4916321" y="231897"/>
-            <a:chExt cx="2057033" cy="6232280"/>
+            <a:chExt cx="2057033" cy="6222755"/>
           </a:xfrm>
         </p:grpSpPr>
         <p:sp>
@@ -4451,7 +4451,7 @@
           </p:nvSpPr>
           <p:spPr>
             <a:xfrm>
-              <a:off x="4916321" y="393822"/>
+              <a:off x="4916321" y="384297"/>
               <a:ext cx="2057033" cy="6070355"/>
             </a:xfrm>
             <a:prstGeom prst="roundRect">
@@ -4549,7 +4549,7 @@
           </p:nvSpPr>
           <p:spPr>
             <a:xfrm>
-              <a:off x="5066777" y="635944"/>
+              <a:off x="5091501" y="746597"/>
               <a:ext cx="1756121" cy="922972"/>
             </a:xfrm>
             <a:prstGeom prst="roundRect">
@@ -4621,67 +4621,7 @@
                 <a:rPr lang="ko-KR" altLang="en-US" sz="1300"/>
                 <a:t>원룸 및 오피스텔 수</a:t>
               </a:r>
-              <a:r>
-                <a:rPr lang="en-US" altLang="ko-KR" sz="1300"/>
-                <a:t>)</a:t>
-              </a:r>
               <a:endParaRPr lang="en-US" altLang="ko-KR" sz="1300"/>
-            </a:p>
-          </p:txBody>
-        </p:sp>
-        <p:sp>
-          <p:nvSpPr>
-            <p:cNvPr id="22" name="모서리가 둥근 직사각형 21"/>
-            <p:cNvSpPr/>
-            <p:nvPr/>
-          </p:nvSpPr>
-          <p:spPr>
-            <a:xfrm>
-              <a:off x="5066777" y="1598605"/>
-              <a:ext cx="1756121" cy="922972"/>
-            </a:xfrm>
-            <a:prstGeom prst="roundRect">
-              <a:avLst>
-                <a:gd name="adj" fmla="val 16667"/>
-              </a:avLst>
-            </a:prstGeom>
-            <a:solidFill>
-              <a:srgbClr val="4f7429"/>
-            </a:solidFill>
-            <a:ln>
-              <a:solidFill>
-                <a:srgbClr val="354e1b"/>
-              </a:solidFill>
-            </a:ln>
-          </p:spPr>
-          <p:style>
-            <a:lnRef idx="2">
-              <a:schemeClr val="accent1">
-                <a:shade val="20000"/>
-              </a:schemeClr>
-            </a:lnRef>
-            <a:fillRef idx="1">
-              <a:schemeClr val="accent1"/>
-            </a:fillRef>
-            <a:effectRef idx="0">
-              <a:schemeClr val="accent1"/>
-            </a:effectRef>
-            <a:fontRef idx="minor">
-              <a:schemeClr val="lt1"/>
-            </a:fontRef>
-          </p:style>
-          <p:txBody>
-            <a:bodyPr anchor="ctr"/>
-            <a:lstStyle/>
-            <a:p>
-              <a:pPr lvl="0" algn="ctr">
-                <a:defRPr/>
-              </a:pPr>
-              <a:r>
-                <a:rPr lang="ko-KR" altLang="en-US" b="1"/>
-                <a:t>주거비용</a:t>
-              </a:r>
-              <a:endParaRPr lang="ko-KR" altLang="en-US"/>
             </a:p>
             <a:p>
               <a:pPr lvl="0" algn="ctr">
@@ -4689,11 +4629,11 @@
               </a:pPr>
               <a:r>
                 <a:rPr lang="en-US" altLang="ko-KR" sz="1300"/>
-                <a:t>(</a:t>
+                <a:t>+</a:t>
               </a:r>
               <a:r>
                 <a:rPr lang="ko-KR" altLang="en-US" sz="1300"/>
-                <a:t>평당 월세 평균</a:t>
+                <a:t> 평당 월세 평균</a:t>
               </a:r>
               <a:r>
                 <a:rPr lang="en-US" altLang="ko-KR" sz="1300"/>
@@ -4711,7 +4651,7 @@
           </p:nvSpPr>
           <p:spPr>
             <a:xfrm>
-              <a:off x="5066777" y="2561267"/>
+              <a:off x="5091501" y="1857055"/>
               <a:ext cx="1756121" cy="922972"/>
             </a:xfrm>
             <a:prstGeom prst="roundRect">
@@ -4755,7 +4695,7 @@
                 <a:rPr lang="ko-KR" altLang="en-US" b="1"/>
                 <a:t>의료시설</a:t>
               </a:r>
-              <a:endParaRPr lang="ko-KR" altLang="en-US"/>
+              <a:endParaRPr lang="ko-KR" altLang="en-US" b="1"/>
             </a:p>
             <a:p>
               <a:pPr lvl="0" algn="ctr">
@@ -4793,7 +4733,7 @@
           </p:nvSpPr>
           <p:spPr>
             <a:xfrm>
-              <a:off x="5066777" y="3523929"/>
+              <a:off x="5091501" y="2967514"/>
               <a:ext cx="1756121" cy="922972"/>
             </a:xfrm>
             <a:prstGeom prst="roundRect">
@@ -4837,7 +4777,7 @@
                 <a:rPr lang="ko-KR" altLang="en-US" b="1"/>
                 <a:t>치안</a:t>
               </a:r>
-              <a:endParaRPr lang="ko-KR" altLang="en-US"/>
+              <a:endParaRPr lang="ko-KR" altLang="en-US" b="1"/>
             </a:p>
             <a:p>
               <a:pPr lvl="0" algn="ctr">
@@ -4867,7 +4807,7 @@
           </p:nvSpPr>
           <p:spPr>
             <a:xfrm>
-              <a:off x="5066777" y="4486591"/>
+              <a:off x="5091501" y="4077972"/>
               <a:ext cx="1756121" cy="922972"/>
             </a:xfrm>
             <a:prstGeom prst="roundRect">
@@ -4911,7 +4851,7 @@
                 <a:rPr lang="ko-KR" altLang="en-US" b="1"/>
                 <a:t>인프라</a:t>
               </a:r>
-              <a:endParaRPr lang="ko-KR" altLang="en-US"/>
+              <a:endParaRPr lang="ko-KR" altLang="en-US" b="1"/>
             </a:p>
             <a:p>
               <a:pPr lvl="0" algn="ctr">
@@ -5563,7 +5503,7 @@
         </p:nvSpPr>
         <p:spPr>
           <a:xfrm>
-            <a:off x="5217939" y="5449253"/>
+            <a:off x="5217939" y="5188431"/>
             <a:ext cx="1756121" cy="922972"/>
           </a:xfrm>
           <a:prstGeom prst="roundRect">
@@ -5607,7 +5547,7 @@
               <a:rPr lang="ko-KR" altLang="en-US" b="1"/>
               <a:t>교통</a:t>
             </a:r>
-            <a:endParaRPr lang="ko-KR" altLang="en-US"/>
+            <a:endParaRPr lang="ko-KR" altLang="en-US" b="1"/>
           </a:p>
           <a:p>
             <a:pPr lvl="0" algn="ctr">
